--- a/presentations/BI Analysis Week 3.pptx
+++ b/presentations/BI Analysis Week 3.pptx
@@ -296,7 +296,7 @@
           <a:p>
             <a:fld id="{D3D47A4C-1800-412B-9042-C93F1924AECC}" type="datetimeFigureOut">
               <a:rPr lang="en-US" smtClean="0"/>
-              <a:t>1/23/2025</a:t>
+              <a:t>2/3/2025</a:t>
             </a:fld>
             <a:endParaRPr lang="en-US"/>
           </a:p>
@@ -473,7 +473,7 @@
           <a:p>
             <a:fld id="{7000EB3D-2307-4317-8A1D-B47FA45245F0}" type="datetimeFigureOut">
               <a:rPr lang="en-US" noProof="0" smtClean="0"/>
-              <a:t>1/23/2025</a:t>
+              <a:t>2/3/2025</a:t>
             </a:fld>
             <a:endParaRPr lang="en-US" noProof="0"/>
           </a:p>
@@ -2055,7 +2055,7 @@
           <a:p>
             <a:fld id="{F9880A97-BB72-4C49-B020-C005FF9D43B4}" type="datetime1">
               <a:rPr lang="en-US" smtClean="0"/>
-              <a:t>1/23/2025</a:t>
+              <a:t>2/3/2025</a:t>
             </a:fld>
             <a:endParaRPr lang="en-US" dirty="0"/>
           </a:p>
@@ -2742,7 +2742,7 @@
           <a:p>
             <a:fld id="{8B1E16E5-E5E5-4583-9AF7-83D9607A8145}" type="datetime1">
               <a:rPr lang="en-US" smtClean="0"/>
-              <a:t>1/23/2025</a:t>
+              <a:t>2/3/2025</a:t>
             </a:fld>
             <a:endParaRPr lang="en-US" dirty="0"/>
           </a:p>
@@ -3278,7 +3278,7 @@
           <a:p>
             <a:fld id="{0B4AC9CD-0374-4BE7-8481-7982C4A3E9D1}" type="datetime1">
               <a:rPr lang="en-US" smtClean="0"/>
-              <a:t>1/23/2025</a:t>
+              <a:t>2/3/2025</a:t>
             </a:fld>
             <a:endParaRPr lang="en-US" dirty="0"/>
           </a:p>
@@ -3918,7 +3918,7 @@
           <a:p>
             <a:fld id="{222400DF-651A-4479-9C74-9CDA47151016}" type="datetime1">
               <a:rPr lang="en-US" smtClean="0"/>
-              <a:t>1/23/2025</a:t>
+              <a:t>2/3/2025</a:t>
             </a:fld>
             <a:endParaRPr lang="en-US" dirty="0"/>
           </a:p>
@@ -4716,7 +4716,7 @@
           <a:p>
             <a:fld id="{1201FEBF-D140-4633-9B70-3A503CA61AD4}" type="datetime1">
               <a:rPr lang="en-US" smtClean="0"/>
-              <a:t>1/23/2025</a:t>
+              <a:t>2/3/2025</a:t>
             </a:fld>
             <a:endParaRPr lang="en-US" dirty="0"/>
           </a:p>
@@ -5602,7 +5602,7 @@
           <a:p>
             <a:fld id="{B63BE472-3891-4216-B770-F52E53667131}" type="datetime1">
               <a:rPr lang="en-US" smtClean="0"/>
-              <a:t>1/23/2025</a:t>
+              <a:t>2/3/2025</a:t>
             </a:fld>
             <a:endParaRPr lang="en-US" dirty="0"/>
           </a:p>
@@ -5935,7 +5935,7 @@
           <a:p>
             <a:fld id="{92C9618A-2189-4802-BD34-F288EF802528}" type="datetime1">
               <a:rPr lang="en-US" smtClean="0"/>
-              <a:t>1/23/2025</a:t>
+              <a:t>2/3/2025</a:t>
             </a:fld>
             <a:endParaRPr lang="en-US" dirty="0"/>
           </a:p>
@@ -6128,7 +6128,7 @@
           <a:p>
             <a:fld id="{3CA3B387-33D3-4D27-BE27-9B85ACC6AC8A}" type="datetime1">
               <a:rPr lang="en-US" smtClean="0"/>
-              <a:t>1/23/2025</a:t>
+              <a:t>2/3/2025</a:t>
             </a:fld>
             <a:endParaRPr lang="en-US" dirty="0"/>
           </a:p>
@@ -7299,7 +7299,7 @@
             </a:pPr>
             <a:r>
               <a:rPr lang="en-US" sz="2000" dirty="0"/>
-              <a:t>Students will be meet their teams and begin planning their project </a:t>
+              <a:t>Students will meet their teams and begin planning their project. </a:t>
             </a:r>
           </a:p>
           <a:p>
@@ -7319,7 +7319,7 @@
             </a:pPr>
             <a:r>
               <a:rPr lang="en-US" sz="2000" dirty="0"/>
-              <a:t>Students will attend guided workshops covering key tools used in data science projects </a:t>
+              <a:t>Students will attend guided workshops covering key tools used in data science projects. </a:t>
             </a:r>
           </a:p>
           <a:p>
@@ -7343,7 +7343,7 @@
             </a:r>
             <a:r>
               <a:rPr lang="en-US" sz="2000" dirty="0"/>
-              <a:t> will provide mini help sessions following the end each workshop </a:t>
+              <a:t> will provide mini help sessions following the end each workshop. </a:t>
             </a:r>
           </a:p>
           <a:p>
@@ -7363,7 +7363,7 @@
             </a:pPr>
             <a:r>
               <a:rPr lang="en-US" sz="2000" dirty="0"/>
-              <a:t>Groups will have the opportunity to present their projects and win prizes</a:t>
+              <a:t>Groups will have the opportunity to present their projects and win prizes.</a:t>
             </a:r>
           </a:p>
         </p:txBody>
@@ -11785,26 +11785,6 @@
 </file>
 
 <file path=customXml/item1.xml><?xml version="1.0" encoding="utf-8"?>
-<p:properties xmlns:p="http://schemas.microsoft.com/office/2006/metadata/properties" xmlns:xsi="http://www.w3.org/2001/XMLSchema-instance" xmlns:pc="http://schemas.microsoft.com/office/infopath/2007/PartnerControls">
-  <documentManagement>
-    <MediaServiceKeyPoints xmlns="71af3243-3dd4-4a8d-8c0d-dd76da1f02a5" xsi:nil="true"/>
-    <_ip_UnifiedCompliancePolicyUIAction xmlns="http://schemas.microsoft.com/sharepoint/v3" xsi:nil="true"/>
-    <Image xmlns="71af3243-3dd4-4a8d-8c0d-dd76da1f02a5">
-      <Url xsi:nil="true"/>
-      <Description xsi:nil="true"/>
-    </Image>
-    <Status xmlns="71af3243-3dd4-4a8d-8c0d-dd76da1f02a5">Not started</Status>
-    <Background xmlns="71af3243-3dd4-4a8d-8c0d-dd76da1f02a5">false</Background>
-    <_ip_UnifiedCompliancePolicyProperties xmlns="http://schemas.microsoft.com/sharepoint/v3" xsi:nil="true"/>
-    <ImageTagsTaxHTField xmlns="71af3243-3dd4-4a8d-8c0d-dd76da1f02a5">
-      <Terms xmlns="http://schemas.microsoft.com/office/infopath/2007/PartnerControls"/>
-    </ImageTagsTaxHTField>
-    <TaxCatchAll xmlns="230e9df3-be65-4c73-a93b-d1236ebd677e" xsi:nil="true"/>
-  </documentManagement>
-</p:properties>
-</file>
-
-<file path=customXml/item2.xml><?xml version="1.0" encoding="utf-8"?>
 <ct:contentTypeSchema xmlns:ct="http://schemas.microsoft.com/office/2006/metadata/contentType" xmlns:ma="http://schemas.microsoft.com/office/2006/metadata/properties/metaAttributes" ct:_="" ma:_="" ma:contentTypeName="Document" ma:contentTypeID="0x01010079F111ED35F8CC479449609E8A0923A6" ma:contentTypeVersion="30" ma:contentTypeDescription="Create a new document." ma:contentTypeScope="" ma:versionID="cec0622158e8f13124e9e8fd4de31bd1">
   <xsd:schema xmlns:xsd="http://www.w3.org/2001/XMLSchema" xmlns:xs="http://www.w3.org/2001/XMLSchema" xmlns:p="http://schemas.microsoft.com/office/2006/metadata/properties" xmlns:ns1="http://schemas.microsoft.com/sharepoint/v3" xmlns:ns2="71af3243-3dd4-4a8d-8c0d-dd76da1f02a5" xmlns:ns3="16c05727-aa75-4e4a-9b5f-8a80a1165891" xmlns:ns4="230e9df3-be65-4c73-a93b-d1236ebd677e" targetNamespace="http://schemas.microsoft.com/office/2006/metadata/properties" ma:root="true" ma:fieldsID="3b52f30ab005d15df08657af532e6e38" ns1:_="" ns2:_="" ns3:_="" ns4:_="">
     <xsd:import namespace="http://schemas.microsoft.com/sharepoint/v3"/>
@@ -12122,6 +12102,26 @@
 </ct:contentTypeSchema>
 </file>
 
+<file path=customXml/item2.xml><?xml version="1.0" encoding="utf-8"?>
+<p:properties xmlns:p="http://schemas.microsoft.com/office/2006/metadata/properties" xmlns:xsi="http://www.w3.org/2001/XMLSchema-instance" xmlns:pc="http://schemas.microsoft.com/office/infopath/2007/PartnerControls">
+  <documentManagement>
+    <MediaServiceKeyPoints xmlns="71af3243-3dd4-4a8d-8c0d-dd76da1f02a5" xsi:nil="true"/>
+    <_ip_UnifiedCompliancePolicyUIAction xmlns="http://schemas.microsoft.com/sharepoint/v3" xsi:nil="true"/>
+    <Image xmlns="71af3243-3dd4-4a8d-8c0d-dd76da1f02a5">
+      <Url xsi:nil="true"/>
+      <Description xsi:nil="true"/>
+    </Image>
+    <Status xmlns="71af3243-3dd4-4a8d-8c0d-dd76da1f02a5">Not started</Status>
+    <Background xmlns="71af3243-3dd4-4a8d-8c0d-dd76da1f02a5">false</Background>
+    <_ip_UnifiedCompliancePolicyProperties xmlns="http://schemas.microsoft.com/sharepoint/v3" xsi:nil="true"/>
+    <ImageTagsTaxHTField xmlns="71af3243-3dd4-4a8d-8c0d-dd76da1f02a5">
+      <Terms xmlns="http://schemas.microsoft.com/office/infopath/2007/PartnerControls"/>
+    </ImageTagsTaxHTField>
+    <TaxCatchAll xmlns="230e9df3-be65-4c73-a93b-d1236ebd677e" xsi:nil="true"/>
+  </documentManagement>
+</p:properties>
+</file>
+
 <file path=customXml/item3.xml><?xml version="1.0" encoding="utf-8"?>
 <?mso-contentType ?>
 <FormTemplates xmlns="http://schemas.microsoft.com/sharepoint/v3/contenttype/forms">
@@ -12132,25 +12132,6 @@
 </file>
 
 <file path=customXml/itemProps1.xml><?xml version="1.0" encoding="utf-8"?>
-<ds:datastoreItem xmlns:ds="http://schemas.openxmlformats.org/officeDocument/2006/customXml" ds:itemID="{826A71AF-4CF2-4B95-BFB6-5C27500258C6}">
-  <ds:schemaRefs>
-    <ds:schemaRef ds:uri="http://purl.org/dc/elements/1.1/"/>
-    <ds:schemaRef ds:uri="http://schemas.microsoft.com/office/2006/documentManagement/types"/>
-    <ds:schemaRef ds:uri="16c05727-aa75-4e4a-9b5f-8a80a1165891"/>
-    <ds:schemaRef ds:uri="http://purl.org/dc/terms/"/>
-    <ds:schemaRef ds:uri="230e9df3-be65-4c73-a93b-d1236ebd677e"/>
-    <ds:schemaRef ds:uri="http://schemas.openxmlformats.org/package/2006/metadata/core-properties"/>
-    <ds:schemaRef ds:uri="http://schemas.microsoft.com/office/infopath/2007/PartnerControls"/>
-    <ds:schemaRef ds:uri="http://purl.org/dc/dcmitype/"/>
-    <ds:schemaRef ds:uri="71af3243-3dd4-4a8d-8c0d-dd76da1f02a5"/>
-    <ds:schemaRef ds:uri="http://schemas.microsoft.com/sharepoint/v3"/>
-    <ds:schemaRef ds:uri="http://schemas.microsoft.com/office/2006/metadata/properties"/>
-    <ds:schemaRef ds:uri="http://www.w3.org/XML/1998/namespace"/>
-  </ds:schemaRefs>
-</ds:datastoreItem>
-</file>
-
-<file path=customXml/itemProps2.xml><?xml version="1.0" encoding="utf-8"?>
 <ds:datastoreItem xmlns:ds="http://schemas.openxmlformats.org/officeDocument/2006/customXml" ds:itemID="{118B1F56-8983-41A9-8E90-86247BC2C41D}">
   <ds:schemaRefs>
     <ds:schemaRef ds:uri="http://schemas.microsoft.com/office/2006/metadata/contentType"/>
@@ -12171,6 +12152,25 @@
 </ds:datastoreItem>
 </file>
 
+<file path=customXml/itemProps2.xml><?xml version="1.0" encoding="utf-8"?>
+<ds:datastoreItem xmlns:ds="http://schemas.openxmlformats.org/officeDocument/2006/customXml" ds:itemID="{826A71AF-4CF2-4B95-BFB6-5C27500258C6}">
+  <ds:schemaRefs>
+    <ds:schemaRef ds:uri="http://purl.org/dc/elements/1.1/"/>
+    <ds:schemaRef ds:uri="http://schemas.microsoft.com/office/2006/documentManagement/types"/>
+    <ds:schemaRef ds:uri="16c05727-aa75-4e4a-9b5f-8a80a1165891"/>
+    <ds:schemaRef ds:uri="http://purl.org/dc/terms/"/>
+    <ds:schemaRef ds:uri="230e9df3-be65-4c73-a93b-d1236ebd677e"/>
+    <ds:schemaRef ds:uri="http://schemas.openxmlformats.org/package/2006/metadata/core-properties"/>
+    <ds:schemaRef ds:uri="http://schemas.microsoft.com/office/infopath/2007/PartnerControls"/>
+    <ds:schemaRef ds:uri="http://purl.org/dc/dcmitype/"/>
+    <ds:schemaRef ds:uri="71af3243-3dd4-4a8d-8c0d-dd76da1f02a5"/>
+    <ds:schemaRef ds:uri="http://schemas.microsoft.com/sharepoint/v3"/>
+    <ds:schemaRef ds:uri="http://schemas.microsoft.com/office/2006/metadata/properties"/>
+    <ds:schemaRef ds:uri="http://www.w3.org/XML/1998/namespace"/>
+  </ds:schemaRefs>
+</ds:datastoreItem>
+</file>
+
 <file path=customXml/itemProps3.xml><?xml version="1.0" encoding="utf-8"?>
 <ds:datastoreItem xmlns:ds="http://schemas.openxmlformats.org/officeDocument/2006/customXml" ds:itemID="{0F60B100-7079-4DE7-AF7C-20BFB1D62C46}">
   <ds:schemaRefs>
